--- a/My Personal Assistant.pptx
+++ b/My Personal Assistant.pptx
@@ -6,11 +6,12 @@
   </p:sldMasterIdLst>
   <p:sldIdLst>
     <p:sldId id="258" r:id="rId2"/>
-    <p:sldId id="256" r:id="rId3"/>
-    <p:sldId id="260" r:id="rId4"/>
-    <p:sldId id="264" r:id="rId5"/>
-    <p:sldId id="261" r:id="rId6"/>
-    <p:sldId id="263" r:id="rId7"/>
+    <p:sldId id="265" r:id="rId3"/>
+    <p:sldId id="256" r:id="rId4"/>
+    <p:sldId id="260" r:id="rId5"/>
+    <p:sldId id="264" r:id="rId6"/>
+    <p:sldId id="261" r:id="rId7"/>
+    <p:sldId id="266" r:id="rId8"/>
   </p:sldIdLst>
   <p:sldSz cx="12192000" cy="6858000"/>
   <p:notesSz cx="6858000" cy="9144000"/>
@@ -287,7 +288,7 @@
           <a:p>
             <a:fld id="{48A87A34-81AB-432B-8DAE-1953F412C126}" type="datetimeFigureOut">
               <a:rPr lang="en-US" smtClean="0"/>
-              <a:t>6/30/2019</a:t>
+              <a:t>7/1/2019</a:t>
             </a:fld>
             <a:endParaRPr lang="en-US" dirty="0"/>
           </a:p>
@@ -355,6 +356,18 @@
   <p:clrMapOvr>
     <a:masterClrMapping/>
   </p:clrMapOvr>
+  <mc:AlternateContent xmlns:mc="http://schemas.openxmlformats.org/markup-compatibility/2006">
+    <mc:Choice xmlns:p14="http://schemas.microsoft.com/office/powerpoint/2010/main" Requires="p14">
+      <p:transition spd="slow" p14:dur="1500">
+        <p:split orient="vert"/>
+      </p:transition>
+    </mc:Choice>
+    <mc:Fallback>
+      <p:transition spd="slow">
+        <p:split orient="vert"/>
+      </p:transition>
+    </mc:Fallback>
+  </mc:AlternateContent>
   <p:extLst>
     <p:ext uri="{DCECCB84-F9BA-43D5-87BE-67443E8EF086}">
       <p15:sldGuideLst xmlns:p15="http://schemas.microsoft.com/office/powerpoint/2012/main"/>
@@ -560,7 +573,7 @@
             <a:fld id="{48A87A34-81AB-432B-8DAE-1953F412C126}" type="datetimeFigureOut">
               <a:rPr lang="en-US" smtClean="0"/>
               <a:pPr/>
-              <a:t>6/30/2019</a:t>
+              <a:t>7/1/2019</a:t>
             </a:fld>
             <a:endParaRPr lang="en-US" dirty="0"/>
           </a:p>
@@ -619,6 +632,18 @@
   <p:clrMapOvr>
     <a:masterClrMapping/>
   </p:clrMapOvr>
+  <mc:AlternateContent xmlns:mc="http://schemas.openxmlformats.org/markup-compatibility/2006">
+    <mc:Choice xmlns:p14="http://schemas.microsoft.com/office/powerpoint/2010/main" Requires="p14">
+      <p:transition spd="slow" p14:dur="1500">
+        <p:split orient="vert"/>
+      </p:transition>
+    </mc:Choice>
+    <mc:Fallback>
+      <p:transition spd="slow">
+        <p:split orient="vert"/>
+      </p:transition>
+    </mc:Fallback>
+  </mc:AlternateContent>
 </p:sldLayout>
 </file>
 
@@ -793,7 +818,7 @@
             <a:fld id="{48A87A34-81AB-432B-8DAE-1953F412C126}" type="datetimeFigureOut">
               <a:rPr lang="en-US" smtClean="0"/>
               <a:pPr/>
-              <a:t>6/30/2019</a:t>
+              <a:t>7/1/2019</a:t>
             </a:fld>
             <a:endParaRPr lang="en-US" dirty="0"/>
           </a:p>
@@ -862,6 +887,18 @@
   <p:clrMapOvr>
     <a:masterClrMapping/>
   </p:clrMapOvr>
+  <mc:AlternateContent xmlns:mc="http://schemas.openxmlformats.org/markup-compatibility/2006">
+    <mc:Choice xmlns:p14="http://schemas.microsoft.com/office/powerpoint/2010/main" Requires="p14">
+      <p:transition spd="slow" p14:dur="1500">
+        <p:split orient="vert"/>
+      </p:transition>
+    </mc:Choice>
+    <mc:Fallback>
+      <p:transition spd="slow">
+        <p:split orient="vert"/>
+      </p:transition>
+    </mc:Fallback>
+  </mc:AlternateContent>
 </p:sldLayout>
 </file>
 
@@ -1105,7 +1142,7 @@
             <a:fld id="{48A87A34-81AB-432B-8DAE-1953F412C126}" type="datetimeFigureOut">
               <a:rPr lang="en-US" smtClean="0"/>
               <a:pPr/>
-              <a:t>6/30/2019</a:t>
+              <a:t>7/1/2019</a:t>
             </a:fld>
             <a:endParaRPr lang="en-US" dirty="0"/>
           </a:p>
@@ -1406,6 +1443,18 @@
   <p:clrMapOvr>
     <a:masterClrMapping/>
   </p:clrMapOvr>
+  <mc:AlternateContent xmlns:mc="http://schemas.openxmlformats.org/markup-compatibility/2006">
+    <mc:Choice xmlns:p14="http://schemas.microsoft.com/office/powerpoint/2010/main" Requires="p14">
+      <p:transition spd="slow" p14:dur="1500">
+        <p:split orient="vert"/>
+      </p:transition>
+    </mc:Choice>
+    <mc:Fallback>
+      <p:transition spd="slow">
+        <p:split orient="vert"/>
+      </p:transition>
+    </mc:Fallback>
+  </mc:AlternateContent>
 </p:sldLayout>
 </file>
 
@@ -1580,7 +1629,7 @@
             <a:fld id="{48A87A34-81AB-432B-8DAE-1953F412C126}" type="datetimeFigureOut">
               <a:rPr lang="en-US" smtClean="0"/>
               <a:pPr/>
-              <a:t>6/30/2019</a:t>
+              <a:t>7/1/2019</a:t>
             </a:fld>
             <a:endParaRPr lang="en-US" dirty="0"/>
           </a:p>
@@ -1649,6 +1698,18 @@
   <p:clrMapOvr>
     <a:masterClrMapping/>
   </p:clrMapOvr>
+  <mc:AlternateContent xmlns:mc="http://schemas.openxmlformats.org/markup-compatibility/2006">
+    <mc:Choice xmlns:p14="http://schemas.microsoft.com/office/powerpoint/2010/main" Requires="p14">
+      <p:transition spd="slow" p14:dur="1500">
+        <p:split orient="vert"/>
+      </p:transition>
+    </mc:Choice>
+    <mc:Fallback>
+      <p:transition spd="slow">
+        <p:split orient="vert"/>
+      </p:transition>
+    </mc:Fallback>
+  </mc:AlternateContent>
 </p:sldLayout>
 </file>
 
@@ -2129,7 +2190,7 @@
             <a:fld id="{48A87A34-81AB-432B-8DAE-1953F412C126}" type="datetimeFigureOut">
               <a:rPr lang="en-US" smtClean="0"/>
               <a:pPr/>
-              <a:t>6/30/2019</a:t>
+              <a:t>7/1/2019</a:t>
             </a:fld>
             <a:endParaRPr lang="en-US" dirty="0"/>
           </a:p>
@@ -2188,6 +2249,18 @@
   <p:clrMapOvr>
     <a:masterClrMapping/>
   </p:clrMapOvr>
+  <mc:AlternateContent xmlns:mc="http://schemas.openxmlformats.org/markup-compatibility/2006">
+    <mc:Choice xmlns:p14="http://schemas.microsoft.com/office/powerpoint/2010/main" Requires="p14">
+      <p:transition spd="slow" p14:dur="1500">
+        <p:split orient="vert"/>
+      </p:transition>
+    </mc:Choice>
+    <mc:Fallback>
+      <p:transition spd="slow">
+        <p:split orient="vert"/>
+      </p:transition>
+    </mc:Fallback>
+  </mc:AlternateContent>
 </p:sldLayout>
 </file>
 
@@ -2905,7 +2978,7 @@
             <a:fld id="{48A87A34-81AB-432B-8DAE-1953F412C126}" type="datetimeFigureOut">
               <a:rPr lang="en-US" smtClean="0"/>
               <a:pPr/>
-              <a:t>6/30/2019</a:t>
+              <a:t>7/1/2019</a:t>
             </a:fld>
             <a:endParaRPr lang="en-US" dirty="0"/>
           </a:p>
@@ -2964,6 +3037,18 @@
   <p:clrMapOvr>
     <a:masterClrMapping/>
   </p:clrMapOvr>
+  <mc:AlternateContent xmlns:mc="http://schemas.openxmlformats.org/markup-compatibility/2006">
+    <mc:Choice xmlns:p14="http://schemas.microsoft.com/office/powerpoint/2010/main" Requires="p14">
+      <p:transition spd="slow" p14:dur="1500">
+        <p:split orient="vert"/>
+      </p:transition>
+    </mc:Choice>
+    <mc:Fallback>
+      <p:transition spd="slow">
+        <p:split orient="vert"/>
+      </p:transition>
+    </mc:Fallback>
+  </mc:AlternateContent>
 </p:sldLayout>
 </file>
 
@@ -3082,7 +3167,7 @@
             <a:fld id="{48A87A34-81AB-432B-8DAE-1953F412C126}" type="datetimeFigureOut">
               <a:rPr lang="en-US" smtClean="0"/>
               <a:pPr/>
-              <a:t>6/30/2019</a:t>
+              <a:t>7/1/2019</a:t>
             </a:fld>
             <a:endParaRPr lang="en-US" dirty="0"/>
           </a:p>
@@ -3141,6 +3226,18 @@
   <p:clrMapOvr>
     <a:masterClrMapping/>
   </p:clrMapOvr>
+  <mc:AlternateContent xmlns:mc="http://schemas.openxmlformats.org/markup-compatibility/2006">
+    <mc:Choice xmlns:p14="http://schemas.microsoft.com/office/powerpoint/2010/main" Requires="p14">
+      <p:transition spd="slow" p14:dur="1500">
+        <p:split orient="vert"/>
+      </p:transition>
+    </mc:Choice>
+    <mc:Fallback>
+      <p:transition spd="slow">
+        <p:split orient="vert"/>
+      </p:transition>
+    </mc:Fallback>
+  </mc:AlternateContent>
 </p:sldLayout>
 </file>
 
@@ -3307,7 +3404,7 @@
             <a:fld id="{48A87A34-81AB-432B-8DAE-1953F412C126}" type="datetimeFigureOut">
               <a:rPr lang="en-US" smtClean="0"/>
               <a:pPr/>
-              <a:t>6/30/2019</a:t>
+              <a:t>7/1/2019</a:t>
             </a:fld>
             <a:endParaRPr lang="en-US" dirty="0"/>
           </a:p>
@@ -3376,6 +3473,18 @@
   <p:clrMapOvr>
     <a:masterClrMapping/>
   </p:clrMapOvr>
+  <mc:AlternateContent xmlns:mc="http://schemas.openxmlformats.org/markup-compatibility/2006">
+    <mc:Choice xmlns:p14="http://schemas.microsoft.com/office/powerpoint/2010/main" Requires="p14">
+      <p:transition spd="slow" p14:dur="1500">
+        <p:split orient="vert"/>
+      </p:transition>
+    </mc:Choice>
+    <mc:Fallback>
+      <p:transition spd="slow">
+        <p:split orient="vert"/>
+      </p:transition>
+    </mc:Fallback>
+  </mc:AlternateContent>
   <p:extLst>
     <p:ext uri="{DCECCB84-F9BA-43D5-87BE-67443E8EF086}">
       <p15:sldGuideLst xmlns:p15="http://schemas.microsoft.com/office/powerpoint/2012/main"/>
@@ -3494,7 +3603,7 @@
             <a:fld id="{48A87A34-81AB-432B-8DAE-1953F412C126}" type="datetimeFigureOut">
               <a:rPr lang="en-US" smtClean="0"/>
               <a:pPr/>
-              <a:t>6/30/2019</a:t>
+              <a:t>7/1/2019</a:t>
             </a:fld>
             <a:endParaRPr lang="en-US" dirty="0"/>
           </a:p>
@@ -3553,6 +3662,18 @@
   <p:clrMapOvr>
     <a:masterClrMapping/>
   </p:clrMapOvr>
+  <mc:AlternateContent xmlns:mc="http://schemas.openxmlformats.org/markup-compatibility/2006">
+    <mc:Choice xmlns:p14="http://schemas.microsoft.com/office/powerpoint/2010/main" Requires="p14">
+      <p:transition spd="slow" p14:dur="1500">
+        <p:split orient="vert"/>
+      </p:transition>
+    </mc:Choice>
+    <mc:Fallback>
+      <p:transition spd="slow">
+        <p:split orient="vert"/>
+      </p:transition>
+    </mc:Fallback>
+  </mc:AlternateContent>
 </p:sldLayout>
 </file>
 
@@ -3784,7 +3905,7 @@
           <a:p>
             <a:fld id="{48A87A34-81AB-432B-8DAE-1953F412C126}" type="datetimeFigureOut">
               <a:rPr lang="en-US" smtClean="0"/>
-              <a:t>6/30/2019</a:t>
+              <a:t>7/1/2019</a:t>
             </a:fld>
             <a:endParaRPr lang="en-US" dirty="0"/>
           </a:p>
@@ -3852,6 +3973,18 @@
   <p:clrMapOvr>
     <a:masterClrMapping/>
   </p:clrMapOvr>
+  <mc:AlternateContent xmlns:mc="http://schemas.openxmlformats.org/markup-compatibility/2006">
+    <mc:Choice xmlns:p14="http://schemas.microsoft.com/office/powerpoint/2010/main" Requires="p14">
+      <p:transition spd="slow" p14:dur="1500">
+        <p:split orient="vert"/>
+      </p:transition>
+    </mc:Choice>
+    <mc:Fallback>
+      <p:transition spd="slow">
+        <p:split orient="vert"/>
+      </p:transition>
+    </mc:Fallback>
+  </mc:AlternateContent>
   <p:extLst>
     <p:ext uri="{DCECCB84-F9BA-43D5-87BE-67443E8EF086}">
       <p15:sldGuideLst xmlns:p15="http://schemas.microsoft.com/office/powerpoint/2012/main"/>
@@ -4032,7 +4165,7 @@
             <a:fld id="{48A87A34-81AB-432B-8DAE-1953F412C126}" type="datetimeFigureOut">
               <a:rPr lang="en-US" smtClean="0"/>
               <a:pPr/>
-              <a:t>6/30/2019</a:t>
+              <a:t>7/1/2019</a:t>
             </a:fld>
             <a:endParaRPr lang="en-US" dirty="0"/>
           </a:p>
@@ -4091,6 +4224,18 @@
   <p:clrMapOvr>
     <a:masterClrMapping/>
   </p:clrMapOvr>
+  <mc:AlternateContent xmlns:mc="http://schemas.openxmlformats.org/markup-compatibility/2006">
+    <mc:Choice xmlns:p14="http://schemas.microsoft.com/office/powerpoint/2010/main" Requires="p14">
+      <p:transition spd="slow" p14:dur="1500">
+        <p:split orient="vert"/>
+      </p:transition>
+    </mc:Choice>
+    <mc:Fallback>
+      <p:transition spd="slow">
+        <p:split orient="vert"/>
+      </p:transition>
+    </mc:Fallback>
+  </mc:AlternateContent>
   <p:extLst>
     <p:ext uri="{DCECCB84-F9BA-43D5-87BE-67443E8EF086}">
       <p15:sldGuideLst xmlns:p15="http://schemas.microsoft.com/office/powerpoint/2012/main"/>
@@ -4418,7 +4563,7 @@
             <a:fld id="{48A87A34-81AB-432B-8DAE-1953F412C126}" type="datetimeFigureOut">
               <a:rPr lang="en-US" smtClean="0"/>
               <a:pPr/>
-              <a:t>6/30/2019</a:t>
+              <a:t>7/1/2019</a:t>
             </a:fld>
             <a:endParaRPr lang="en-US" dirty="0"/>
           </a:p>
@@ -4477,6 +4622,18 @@
   <p:clrMapOvr>
     <a:masterClrMapping/>
   </p:clrMapOvr>
+  <mc:AlternateContent xmlns:mc="http://schemas.openxmlformats.org/markup-compatibility/2006">
+    <mc:Choice xmlns:p14="http://schemas.microsoft.com/office/powerpoint/2010/main" Requires="p14">
+      <p:transition spd="slow" p14:dur="1500">
+        <p:split orient="vert"/>
+      </p:transition>
+    </mc:Choice>
+    <mc:Fallback>
+      <p:transition spd="slow">
+        <p:split orient="vert"/>
+      </p:transition>
+    </mc:Fallback>
+  </mc:AlternateContent>
   <p:extLst>
     <p:ext uri="{DCECCB84-F9BA-43D5-87BE-67443E8EF086}">
       <p15:sldGuideLst xmlns:p15="http://schemas.microsoft.com/office/powerpoint/2012/main"/>
@@ -4542,7 +4699,7 @@
           <a:p>
             <a:fld id="{48A87A34-81AB-432B-8DAE-1953F412C126}" type="datetimeFigureOut">
               <a:rPr lang="en-US" smtClean="0"/>
-              <a:t>6/30/2019</a:t>
+              <a:t>7/1/2019</a:t>
             </a:fld>
             <a:endParaRPr lang="en-US" dirty="0"/>
           </a:p>
@@ -4600,6 +4757,18 @@
   <p:clrMapOvr>
     <a:masterClrMapping/>
   </p:clrMapOvr>
+  <mc:AlternateContent xmlns:mc="http://schemas.openxmlformats.org/markup-compatibility/2006">
+    <mc:Choice xmlns:p14="http://schemas.microsoft.com/office/powerpoint/2010/main" Requires="p14">
+      <p:transition spd="slow" p14:dur="1500">
+        <p:split orient="vert"/>
+      </p:transition>
+    </mc:Choice>
+    <mc:Fallback>
+      <p:transition spd="slow">
+        <p:split orient="vert"/>
+      </p:transition>
+    </mc:Fallback>
+  </mc:AlternateContent>
 </p:sldLayout>
 </file>
 
@@ -4637,7 +4806,7 @@
           <a:p>
             <a:fld id="{48A87A34-81AB-432B-8DAE-1953F412C126}" type="datetimeFigureOut">
               <a:rPr lang="en-US" smtClean="0"/>
-              <a:t>6/30/2019</a:t>
+              <a:t>7/1/2019</a:t>
             </a:fld>
             <a:endParaRPr lang="en-US" dirty="0"/>
           </a:p>
@@ -4695,6 +4864,18 @@
   <p:clrMapOvr>
     <a:masterClrMapping/>
   </p:clrMapOvr>
+  <mc:AlternateContent xmlns:mc="http://schemas.openxmlformats.org/markup-compatibility/2006">
+    <mc:Choice xmlns:p14="http://schemas.microsoft.com/office/powerpoint/2010/main" Requires="p14">
+      <p:transition spd="slow" p14:dur="1500">
+        <p:split orient="vert"/>
+      </p:transition>
+    </mc:Choice>
+    <mc:Fallback>
+      <p:transition spd="slow">
+        <p:split orient="vert"/>
+      </p:transition>
+    </mc:Fallback>
+  </mc:AlternateContent>
 </p:sldLayout>
 </file>
 
@@ -4887,7 +5068,7 @@
             <a:fld id="{48A87A34-81AB-432B-8DAE-1953F412C126}" type="datetimeFigureOut">
               <a:rPr lang="en-US" smtClean="0"/>
               <a:pPr/>
-              <a:t>6/30/2019</a:t>
+              <a:t>7/1/2019</a:t>
             </a:fld>
             <a:endParaRPr lang="en-US" dirty="0"/>
           </a:p>
@@ -4946,6 +5127,18 @@
   <p:clrMapOvr>
     <a:masterClrMapping/>
   </p:clrMapOvr>
+  <mc:AlternateContent xmlns:mc="http://schemas.openxmlformats.org/markup-compatibility/2006">
+    <mc:Choice xmlns:p14="http://schemas.microsoft.com/office/powerpoint/2010/main" Requires="p14">
+      <p:transition spd="slow" p14:dur="1500">
+        <p:split orient="vert"/>
+      </p:transition>
+    </mc:Choice>
+    <mc:Fallback>
+      <p:transition spd="slow">
+        <p:split orient="vert"/>
+      </p:transition>
+    </mc:Fallback>
+  </mc:AlternateContent>
   <p:extLst>
     <p:ext uri="{DCECCB84-F9BA-43D5-87BE-67443E8EF086}">
       <p15:sldGuideLst xmlns:p15="http://schemas.microsoft.com/office/powerpoint/2012/main"/>
@@ -5150,7 +5343,7 @@
           <a:p>
             <a:fld id="{48A87A34-81AB-432B-8DAE-1953F412C126}" type="datetimeFigureOut">
               <a:rPr lang="en-US" smtClean="0"/>
-              <a:t>6/30/2019</a:t>
+              <a:t>7/1/2019</a:t>
             </a:fld>
             <a:endParaRPr lang="en-US" dirty="0"/>
           </a:p>
@@ -5208,6 +5401,18 @@
   <p:clrMapOvr>
     <a:masterClrMapping/>
   </p:clrMapOvr>
+  <mc:AlternateContent xmlns:mc="http://schemas.openxmlformats.org/markup-compatibility/2006">
+    <mc:Choice xmlns:p14="http://schemas.microsoft.com/office/powerpoint/2010/main" Requires="p14">
+      <p:transition spd="slow" p14:dur="1500">
+        <p:split orient="vert"/>
+      </p:transition>
+    </mc:Choice>
+    <mc:Fallback>
+      <p:transition spd="slow">
+        <p:split orient="vert"/>
+      </p:transition>
+    </mc:Fallback>
+  </mc:AlternateContent>
 </p:sldLayout>
 </file>
 
@@ -5394,7 +5599,7 @@
             <a:fld id="{48A87A34-81AB-432B-8DAE-1953F412C126}" type="datetimeFigureOut">
               <a:rPr lang="en-US" smtClean="0"/>
               <a:pPr/>
-              <a:t>6/30/2019</a:t>
+              <a:t>7/1/2019</a:t>
             </a:fld>
             <a:endParaRPr lang="en-US" dirty="0"/>
           </a:p>
@@ -5506,6 +5711,18 @@
     <p:sldLayoutId id="2147484128" r:id="rId16"/>
     <p:sldLayoutId id="2147484129" r:id="rId17"/>
   </p:sldLayoutIdLst>
+  <mc:AlternateContent xmlns:mc="http://schemas.openxmlformats.org/markup-compatibility/2006">
+    <mc:Choice xmlns:p14="http://schemas.microsoft.com/office/powerpoint/2010/main" Requires="p14">
+      <p:transition spd="slow" p14:dur="1500">
+        <p:split orient="vert"/>
+      </p:transition>
+    </mc:Choice>
+    <mc:Fallback>
+      <p:transition spd="slow">
+        <p:split orient="vert"/>
+      </p:transition>
+    </mc:Fallback>
+  </mc:AlternateContent>
   <p:txStyles>
     <p:titleStyle>
       <a:lvl1pPr algn="r" defTabSz="914400" rtl="0" eaLnBrk="1" latinLnBrk="0" hangingPunct="1">
@@ -5908,6 +6125,18 @@
   <p:clrMapOvr>
     <a:masterClrMapping/>
   </p:clrMapOvr>
+  <mc:AlternateContent xmlns:mc="http://schemas.openxmlformats.org/markup-compatibility/2006">
+    <mc:Choice xmlns:p14="http://schemas.microsoft.com/office/powerpoint/2010/main" Requires="p14">
+      <p:transition spd="slow" p14:dur="1500">
+        <p:split orient="vert"/>
+      </p:transition>
+    </mc:Choice>
+    <mc:Fallback>
+      <p:transition spd="slow">
+        <p:split orient="vert"/>
+      </p:transition>
+    </mc:Fallback>
+  </mc:AlternateContent>
 </p:sld>
 </file>
 
@@ -5933,6 +6162,193 @@
           <p:cNvPr id="2" name="Title 1">
             <a:extLst>
               <a:ext uri="{FF2B5EF4-FFF2-40B4-BE49-F238E27FC236}">
+                <a16:creationId xmlns:a16="http://schemas.microsoft.com/office/drawing/2014/main" id="{27D87FA8-C562-4CFB-B184-BF6D0B6DFADC}"/>
+              </a:ext>
+            </a:extLst>
+          </p:cNvPr>
+          <p:cNvSpPr>
+            <a:spLocks noGrp="1"/>
+          </p:cNvSpPr>
+          <p:nvPr>
+            <p:ph type="title"/>
+          </p:nvPr>
+        </p:nvSpPr>
+        <p:spPr>
+          <a:xfrm>
+            <a:off x="1506072" y="764373"/>
+            <a:ext cx="9820834" cy="1207862"/>
+          </a:xfrm>
+        </p:spPr>
+        <p:txBody>
+          <a:bodyPr/>
+          <a:lstStyle/>
+          <a:p>
+            <a:r>
+              <a:rPr lang="en-US" dirty="0"/>
+              <a:t>Lets get started !</a:t>
+            </a:r>
+          </a:p>
+        </p:txBody>
+      </p:sp>
+      <p:pic>
+        <p:nvPicPr>
+          <p:cNvPr id="9" name="Content Placeholder 8">
+            <a:extLst>
+              <a:ext uri="{FF2B5EF4-FFF2-40B4-BE49-F238E27FC236}">
+                <a16:creationId xmlns:a16="http://schemas.microsoft.com/office/drawing/2014/main" id="{4DF889E9-021F-4912-B4C1-634CC3AF1290}"/>
+              </a:ext>
+            </a:extLst>
+          </p:cNvPr>
+          <p:cNvPicPr>
+            <a:picLocks noGrp="1" noChangeAspect="1"/>
+          </p:cNvPicPr>
+          <p:nvPr>
+            <p:ph idx="1"/>
+          </p:nvPr>
+        </p:nvPicPr>
+        <p:blipFill>
+          <a:blip r:embed="rId2"/>
+          <a:stretch>
+            <a:fillRect/>
+          </a:stretch>
+        </p:blipFill>
+        <p:spPr>
+          <a:xfrm>
+            <a:off x="2447365" y="1972235"/>
+            <a:ext cx="6638364" cy="3572109"/>
+          </a:xfrm>
+        </p:spPr>
+      </p:pic>
+    </p:spTree>
+    <p:extLst>
+      <p:ext uri="{BB962C8B-B14F-4D97-AF65-F5344CB8AC3E}">
+        <p14:creationId xmlns:p14="http://schemas.microsoft.com/office/powerpoint/2010/main" val="1040742058"/>
+      </p:ext>
+    </p:extLst>
+  </p:cSld>
+  <p:clrMapOvr>
+    <a:masterClrMapping/>
+  </p:clrMapOvr>
+  <mc:AlternateContent xmlns:mc="http://schemas.openxmlformats.org/markup-compatibility/2006">
+    <mc:Choice xmlns:p14="http://schemas.microsoft.com/office/powerpoint/2010/main" Requires="p14">
+      <p:transition spd="slow" p14:dur="1500">
+        <p:split orient="vert"/>
+      </p:transition>
+    </mc:Choice>
+    <mc:Fallback>
+      <p:transition spd="slow">
+        <p:split orient="vert"/>
+      </p:transition>
+    </mc:Fallback>
+  </mc:AlternateContent>
+  <p:timing>
+    <p:tnLst>
+      <p:par>
+        <p:cTn id="1" dur="indefinite" restart="never" nodeType="tmRoot">
+          <p:childTnLst>
+            <p:seq concurrent="1" nextAc="seek">
+              <p:cTn id="2" dur="indefinite" nodeType="mainSeq">
+                <p:childTnLst>
+                  <p:par>
+                    <p:cTn id="3" fill="hold">
+                      <p:stCondLst>
+                        <p:cond delay="indefinite"/>
+                      </p:stCondLst>
+                      <p:childTnLst>
+                        <p:par>
+                          <p:cTn id="4" fill="hold">
+                            <p:stCondLst>
+                              <p:cond delay="0"/>
+                            </p:stCondLst>
+                            <p:childTnLst>
+                              <p:par>
+                                <p:cTn id="5" presetID="21" presetClass="entr" presetSubtype="2" fill="hold" nodeType="clickEffect">
+                                  <p:stCondLst>
+                                    <p:cond delay="0"/>
+                                  </p:stCondLst>
+                                  <p:childTnLst>
+                                    <p:set>
+                                      <p:cBhvr>
+                                        <p:cTn id="6" dur="1" fill="hold">
+                                          <p:stCondLst>
+                                            <p:cond delay="0"/>
+                                          </p:stCondLst>
+                                        </p:cTn>
+                                        <p:tgtEl>
+                                          <p:spTgt spid="9"/>
+                                        </p:tgtEl>
+                                        <p:attrNameLst>
+                                          <p:attrName>style.visibility</p:attrName>
+                                        </p:attrNameLst>
+                                      </p:cBhvr>
+                                      <p:to>
+                                        <p:strVal val="visible"/>
+                                      </p:to>
+                                    </p:set>
+                                    <p:animEffect transition="in" filter="wheel(2)">
+                                      <p:cBhvr>
+                                        <p:cTn id="7" dur="2000"/>
+                                        <p:tgtEl>
+                                          <p:spTgt spid="9"/>
+                                        </p:tgtEl>
+                                      </p:cBhvr>
+                                    </p:animEffect>
+                                  </p:childTnLst>
+                                </p:cTn>
+                              </p:par>
+                            </p:childTnLst>
+                          </p:cTn>
+                        </p:par>
+                      </p:childTnLst>
+                    </p:cTn>
+                  </p:par>
+                </p:childTnLst>
+              </p:cTn>
+              <p:prevCondLst>
+                <p:cond evt="onPrev" delay="0">
+                  <p:tgtEl>
+                    <p:sldTgt/>
+                  </p:tgtEl>
+                </p:cond>
+              </p:prevCondLst>
+              <p:nextCondLst>
+                <p:cond evt="onNext" delay="0">
+                  <p:tgtEl>
+                    <p:sldTgt/>
+                  </p:tgtEl>
+                </p:cond>
+              </p:nextCondLst>
+            </p:seq>
+          </p:childTnLst>
+        </p:cTn>
+      </p:par>
+    </p:tnLst>
+  </p:timing>
+</p:sld>
+</file>
+
+<file path=ppt/slides/slide3.xml><?xml version="1.0" encoding="utf-8"?>
+<p:sld xmlns:a="http://schemas.openxmlformats.org/drawingml/2006/main" xmlns:r="http://schemas.openxmlformats.org/officeDocument/2006/relationships" xmlns:p="http://schemas.openxmlformats.org/presentationml/2006/main">
+  <p:cSld>
+    <p:spTree>
+      <p:nvGrpSpPr>
+        <p:cNvPr id="1" name=""/>
+        <p:cNvGrpSpPr/>
+        <p:nvPr/>
+      </p:nvGrpSpPr>
+      <p:grpSpPr>
+        <a:xfrm>
+          <a:off x="0" y="0"/>
+          <a:ext cx="0" cy="0"/>
+          <a:chOff x="0" y="0"/>
+          <a:chExt cx="0" cy="0"/>
+        </a:xfrm>
+      </p:grpSpPr>
+      <p:sp>
+        <p:nvSpPr>
+          <p:cNvPr id="2" name="Title 1">
+            <a:extLst>
+              <a:ext uri="{FF2B5EF4-FFF2-40B4-BE49-F238E27FC236}">
                 <a16:creationId xmlns:a16="http://schemas.microsoft.com/office/drawing/2014/main" id="{5D7F0666-D59D-4107-8E00-B2F00ABB920D}"/>
               </a:ext>
             </a:extLst>
@@ -6065,10 +6481,22 @@
   <p:clrMapOvr>
     <a:masterClrMapping/>
   </p:clrMapOvr>
+  <mc:AlternateContent xmlns:mc="http://schemas.openxmlformats.org/markup-compatibility/2006">
+    <mc:Choice xmlns:p14="http://schemas.microsoft.com/office/powerpoint/2010/main" Requires="p14">
+      <p:transition spd="slow" p14:dur="1500">
+        <p:split orient="vert"/>
+      </p:transition>
+    </mc:Choice>
+    <mc:Fallback>
+      <p:transition spd="slow">
+        <p:split orient="vert"/>
+      </p:transition>
+    </mc:Fallback>
+  </mc:AlternateContent>
 </p:sld>
 </file>
 
-<file path=ppt/slides/slide3.xml><?xml version="1.0" encoding="utf-8"?>
+<file path=ppt/slides/slide4.xml><?xml version="1.0" encoding="utf-8"?>
 <p:sld xmlns:a="http://schemas.openxmlformats.org/drawingml/2006/main" xmlns:r="http://schemas.openxmlformats.org/officeDocument/2006/relationships" xmlns:p="http://schemas.openxmlformats.org/presentationml/2006/main">
   <p:cSld>
     <p:spTree>
@@ -7120,10 +7548,22 @@
   <p:clrMapOvr>
     <a:masterClrMapping/>
   </p:clrMapOvr>
+  <mc:AlternateContent xmlns:mc="http://schemas.openxmlformats.org/markup-compatibility/2006">
+    <mc:Choice xmlns:p14="http://schemas.microsoft.com/office/powerpoint/2010/main" Requires="p14">
+      <p:transition spd="slow" p14:dur="1500">
+        <p:split orient="vert"/>
+      </p:transition>
+    </mc:Choice>
+    <mc:Fallback>
+      <p:transition spd="slow">
+        <p:split orient="vert"/>
+      </p:transition>
+    </mc:Fallback>
+  </mc:AlternateContent>
 </p:sld>
 </file>
 
-<file path=ppt/slides/slide4.xml><?xml version="1.0" encoding="utf-8"?>
+<file path=ppt/slides/slide5.xml><?xml version="1.0" encoding="utf-8"?>
 <p:sld xmlns:a="http://schemas.openxmlformats.org/drawingml/2006/main" xmlns:r="http://schemas.openxmlformats.org/officeDocument/2006/relationships" xmlns:p="http://schemas.openxmlformats.org/presentationml/2006/main">
   <p:cSld>
     <p:spTree>
@@ -7176,10 +7616,10 @@
       </p:sp>
       <p:pic>
         <p:nvPicPr>
-          <p:cNvPr id="1026" name="Picture 2" descr="Image result for html5 logo">
+          <p:cNvPr id="1028" name="Picture 4" descr="Image result for css logo">
             <a:extLst>
               <a:ext uri="{FF2B5EF4-FFF2-40B4-BE49-F238E27FC236}">
-                <a16:creationId xmlns:a16="http://schemas.microsoft.com/office/drawing/2014/main" id="{DEA79FB1-887F-4F41-AEF1-2D50B25C64B2}"/>
+                <a16:creationId xmlns:a16="http://schemas.microsoft.com/office/drawing/2014/main" id="{A1A83001-F110-464E-B6B0-9E933FA21083}"/>
               </a:ext>
             </a:extLst>
           </p:cNvPr>
@@ -7203,7 +7643,7 @@
         </p:blipFill>
         <p:spPr bwMode="auto">
           <a:xfrm>
-            <a:off x="682037" y="855893"/>
+            <a:off x="2823982" y="1377879"/>
             <a:ext cx="2143125" cy="2143125"/>
           </a:xfrm>
           <a:prstGeom prst="rect">
@@ -7223,10 +7663,10 @@
       </p:pic>
       <p:pic>
         <p:nvPicPr>
-          <p:cNvPr id="1028" name="Picture 4" descr="Image result for css logo">
+          <p:cNvPr id="1030" name="Picture 6" descr="Image result for javascript logo">
             <a:extLst>
               <a:ext uri="{FF2B5EF4-FFF2-40B4-BE49-F238E27FC236}">
-                <a16:creationId xmlns:a16="http://schemas.microsoft.com/office/drawing/2014/main" id="{A1A83001-F110-464E-B6B0-9E933FA21083}"/>
+                <a16:creationId xmlns:a16="http://schemas.microsoft.com/office/drawing/2014/main" id="{41C2266D-D678-4B0E-B805-457F51783287}"/>
               </a:ext>
             </a:extLst>
           </p:cNvPr>
@@ -7250,7 +7690,7 @@
         </p:blipFill>
         <p:spPr bwMode="auto">
           <a:xfrm>
-            <a:off x="2823982" y="1377879"/>
+            <a:off x="4887586" y="1028312"/>
             <a:ext cx="2143125" cy="2143125"/>
           </a:xfrm>
           <a:prstGeom prst="rect">
@@ -7270,10 +7710,10 @@
       </p:pic>
       <p:pic>
         <p:nvPicPr>
-          <p:cNvPr id="1030" name="Picture 6" descr="Image result for javascript logo">
+          <p:cNvPr id="1032" name="Picture 8" descr="Image result for jquery logo">
             <a:extLst>
               <a:ext uri="{FF2B5EF4-FFF2-40B4-BE49-F238E27FC236}">
-                <a16:creationId xmlns:a16="http://schemas.microsoft.com/office/drawing/2014/main" id="{41C2266D-D678-4B0E-B805-457F51783287}"/>
+                <a16:creationId xmlns:a16="http://schemas.microsoft.com/office/drawing/2014/main" id="{3D398F35-CAA9-4130-8B13-93EAA490CAC0}"/>
               </a:ext>
             </a:extLst>
           </p:cNvPr>
@@ -7297,8 +7737,8 @@
         </p:blipFill>
         <p:spPr bwMode="auto">
           <a:xfrm>
-            <a:off x="4887586" y="1028312"/>
-            <a:ext cx="2143125" cy="2143125"/>
+            <a:off x="6880319" y="1344543"/>
+            <a:ext cx="2209795" cy="2209795"/>
           </a:xfrm>
           <a:prstGeom prst="rect">
             <a:avLst/>
@@ -7317,10 +7757,10 @@
       </p:pic>
       <p:pic>
         <p:nvPicPr>
-          <p:cNvPr id="1032" name="Picture 8" descr="Image result for jquery logo">
+          <p:cNvPr id="1036" name="Picture 12" descr="Image result for chrome log">
             <a:extLst>
               <a:ext uri="{FF2B5EF4-FFF2-40B4-BE49-F238E27FC236}">
-                <a16:creationId xmlns:a16="http://schemas.microsoft.com/office/drawing/2014/main" id="{3D398F35-CAA9-4130-8B13-93EAA490CAC0}"/>
+                <a16:creationId xmlns:a16="http://schemas.microsoft.com/office/drawing/2014/main" id="{CD2DFB0A-37D1-4AA8-AFC8-C268BEEA5978}"/>
               </a:ext>
             </a:extLst>
           </p:cNvPr>
@@ -7344,8 +7784,8 @@
         </p:blipFill>
         <p:spPr bwMode="auto">
           <a:xfrm>
-            <a:off x="6880319" y="1344543"/>
-            <a:ext cx="2209795" cy="2209795"/>
+            <a:off x="2852284" y="3521004"/>
+            <a:ext cx="2466975" cy="1847850"/>
           </a:xfrm>
           <a:prstGeom prst="rect">
             <a:avLst/>
@@ -7364,10 +7804,10 @@
       </p:pic>
       <p:pic>
         <p:nvPicPr>
-          <p:cNvPr id="1034" name="Picture 10" descr="Image result for moment js logo">
+          <p:cNvPr id="1038" name="Picture 14" descr="Image result for animate css logo">
             <a:extLst>
               <a:ext uri="{FF2B5EF4-FFF2-40B4-BE49-F238E27FC236}">
-                <a16:creationId xmlns:a16="http://schemas.microsoft.com/office/drawing/2014/main" id="{0C648F7B-CC90-4927-B621-79878C05EACB}"/>
+                <a16:creationId xmlns:a16="http://schemas.microsoft.com/office/drawing/2014/main" id="{94493B25-E777-40DB-AF5E-8FAD86427726}"/>
               </a:ext>
             </a:extLst>
           </p:cNvPr>
@@ -7391,100 +7831,6 @@
         </p:blipFill>
         <p:spPr bwMode="auto">
           <a:xfrm>
-            <a:off x="709159" y="2971427"/>
-            <a:ext cx="2143125" cy="2143125"/>
-          </a:xfrm>
-          <a:prstGeom prst="rect">
-            <a:avLst/>
-          </a:prstGeom>
-          <a:noFill/>
-          <a:extLst>
-            <a:ext uri="{909E8E84-426E-40DD-AFC4-6F175D3DCCD1}">
-              <a14:hiddenFill xmlns:a14="http://schemas.microsoft.com/office/drawing/2010/main">
-                <a:solidFill>
-                  <a:srgbClr val="FFFFFF"/>
-                </a:solidFill>
-              </a14:hiddenFill>
-            </a:ext>
-          </a:extLst>
-        </p:spPr>
-      </p:pic>
-      <p:pic>
-        <p:nvPicPr>
-          <p:cNvPr id="1036" name="Picture 12" descr="Image result for chrome log">
-            <a:extLst>
-              <a:ext uri="{FF2B5EF4-FFF2-40B4-BE49-F238E27FC236}">
-                <a16:creationId xmlns:a16="http://schemas.microsoft.com/office/drawing/2014/main" id="{CD2DFB0A-37D1-4AA8-AFC8-C268BEEA5978}"/>
-              </a:ext>
-            </a:extLst>
-          </p:cNvPr>
-          <p:cNvPicPr>
-            <a:picLocks noChangeAspect="1" noChangeArrowheads="1"/>
-          </p:cNvPicPr>
-          <p:nvPr/>
-        </p:nvPicPr>
-        <p:blipFill>
-          <a:blip r:embed="rId7">
-            <a:extLst>
-              <a:ext uri="{28A0092B-C50C-407E-A947-70E740481C1C}">
-                <a14:useLocalDpi xmlns:a14="http://schemas.microsoft.com/office/drawing/2010/main" val="0"/>
-              </a:ext>
-            </a:extLst>
-          </a:blip>
-          <a:srcRect/>
-          <a:stretch>
-            <a:fillRect/>
-          </a:stretch>
-        </p:blipFill>
-        <p:spPr bwMode="auto">
-          <a:xfrm>
-            <a:off x="2852284" y="3521004"/>
-            <a:ext cx="2466975" cy="1847850"/>
-          </a:xfrm>
-          <a:prstGeom prst="rect">
-            <a:avLst/>
-          </a:prstGeom>
-          <a:noFill/>
-          <a:extLst>
-            <a:ext uri="{909E8E84-426E-40DD-AFC4-6F175D3DCCD1}">
-              <a14:hiddenFill xmlns:a14="http://schemas.microsoft.com/office/drawing/2010/main">
-                <a:solidFill>
-                  <a:srgbClr val="FFFFFF"/>
-                </a:solidFill>
-              </a14:hiddenFill>
-            </a:ext>
-          </a:extLst>
-        </p:spPr>
-      </p:pic>
-      <p:pic>
-        <p:nvPicPr>
-          <p:cNvPr id="1038" name="Picture 14" descr="Image result for animate css logo">
-            <a:extLst>
-              <a:ext uri="{FF2B5EF4-FFF2-40B4-BE49-F238E27FC236}">
-                <a16:creationId xmlns:a16="http://schemas.microsoft.com/office/drawing/2014/main" id="{94493B25-E777-40DB-AF5E-8FAD86427726}"/>
-              </a:ext>
-            </a:extLst>
-          </p:cNvPr>
-          <p:cNvPicPr>
-            <a:picLocks noChangeAspect="1" noChangeArrowheads="1"/>
-          </p:cNvPicPr>
-          <p:nvPr/>
-        </p:nvPicPr>
-        <p:blipFill>
-          <a:blip r:embed="rId8">
-            <a:extLst>
-              <a:ext uri="{28A0092B-C50C-407E-A947-70E740481C1C}">
-                <a14:useLocalDpi xmlns:a14="http://schemas.microsoft.com/office/drawing/2010/main" val="0"/>
-              </a:ext>
-            </a:extLst>
-          </a:blip>
-          <a:srcRect/>
-          <a:stretch>
-            <a:fillRect/>
-          </a:stretch>
-        </p:blipFill>
-        <p:spPr bwMode="auto">
-          <a:xfrm>
             <a:off x="2777639" y="5353283"/>
             <a:ext cx="3448050" cy="1323975"/>
           </a:xfrm>
@@ -7518,7 +7864,7 @@
           <p:nvPr/>
         </p:nvPicPr>
         <p:blipFill rotWithShape="1">
-          <a:blip r:embed="rId9">
+          <a:blip r:embed="rId7">
             <a:extLst>
               <a:ext uri="{28A0092B-C50C-407E-A947-70E740481C1C}">
                 <a14:useLocalDpi xmlns:a14="http://schemas.microsoft.com/office/drawing/2010/main" val="0"/>
@@ -7563,7 +7909,7 @@
           <p:nvPr/>
         </p:nvPicPr>
         <p:blipFill rotWithShape="1">
-          <a:blip r:embed="rId10">
+          <a:blip r:embed="rId8">
             <a:extLst>
               <a:ext uri="{28A0092B-C50C-407E-A947-70E740481C1C}">
                 <a14:useLocalDpi xmlns:a14="http://schemas.microsoft.com/office/drawing/2010/main" val="0"/>
@@ -7599,6 +7945,100 @@
             <a:extLst>
               <a:ext uri="{FF2B5EF4-FFF2-40B4-BE49-F238E27FC236}">
                 <a16:creationId xmlns:a16="http://schemas.microsoft.com/office/drawing/2014/main" id="{8770309F-A853-442E-8301-1683250C4A86}"/>
+              </a:ext>
+            </a:extLst>
+          </p:cNvPr>
+          <p:cNvPicPr>
+            <a:picLocks noChangeAspect="1" noChangeArrowheads="1"/>
+          </p:cNvPicPr>
+          <p:nvPr/>
+        </p:nvPicPr>
+        <p:blipFill>
+          <a:blip r:embed="rId9">
+            <a:extLst>
+              <a:ext uri="{28A0092B-C50C-407E-A947-70E740481C1C}">
+                <a14:useLocalDpi xmlns:a14="http://schemas.microsoft.com/office/drawing/2010/main" val="0"/>
+              </a:ext>
+            </a:extLst>
+          </a:blip>
+          <a:srcRect/>
+          <a:stretch>
+            <a:fillRect/>
+          </a:stretch>
+        </p:blipFill>
+        <p:spPr bwMode="auto">
+          <a:xfrm>
+            <a:off x="9090114" y="2317739"/>
+            <a:ext cx="1207634" cy="1207634"/>
+          </a:xfrm>
+          <a:prstGeom prst="rect">
+            <a:avLst/>
+          </a:prstGeom>
+          <a:noFill/>
+          <a:extLst>
+            <a:ext uri="{909E8E84-426E-40DD-AFC4-6F175D3DCCD1}">
+              <a14:hiddenFill xmlns:a14="http://schemas.microsoft.com/office/drawing/2010/main">
+                <a:solidFill>
+                  <a:srgbClr val="FFFFFF"/>
+                </a:solidFill>
+              </a14:hiddenFill>
+            </a:ext>
+          </a:extLst>
+        </p:spPr>
+      </p:pic>
+      <p:pic>
+        <p:nvPicPr>
+          <p:cNvPr id="4" name="Picture 4" descr="Image result for google fonts">
+            <a:extLst>
+              <a:ext uri="{FF2B5EF4-FFF2-40B4-BE49-F238E27FC236}">
+                <a16:creationId xmlns:a16="http://schemas.microsoft.com/office/drawing/2014/main" id="{BB342E19-0839-4A2C-8054-7779A3998C77}"/>
+              </a:ext>
+            </a:extLst>
+          </p:cNvPr>
+          <p:cNvPicPr>
+            <a:picLocks noChangeAspect="1" noChangeArrowheads="1"/>
+          </p:cNvPicPr>
+          <p:nvPr/>
+        </p:nvPicPr>
+        <p:blipFill>
+          <a:blip r:embed="rId10">
+            <a:extLst>
+              <a:ext uri="{28A0092B-C50C-407E-A947-70E740481C1C}">
+                <a14:useLocalDpi xmlns:a14="http://schemas.microsoft.com/office/drawing/2010/main" val="0"/>
+              </a:ext>
+            </a:extLst>
+          </a:blip>
+          <a:srcRect/>
+          <a:stretch>
+            <a:fillRect/>
+          </a:stretch>
+        </p:blipFill>
+        <p:spPr bwMode="auto">
+          <a:xfrm>
+            <a:off x="5032467" y="4259646"/>
+            <a:ext cx="2952750" cy="1552575"/>
+          </a:xfrm>
+          <a:prstGeom prst="rect">
+            <a:avLst/>
+          </a:prstGeom>
+          <a:noFill/>
+          <a:extLst>
+            <a:ext uri="{909E8E84-426E-40DD-AFC4-6F175D3DCCD1}">
+              <a14:hiddenFill xmlns:a14="http://schemas.microsoft.com/office/drawing/2010/main">
+                <a:solidFill>
+                  <a:srgbClr val="FFFFFF"/>
+                </a:solidFill>
+              </a14:hiddenFill>
+            </a:ext>
+          </a:extLst>
+        </p:spPr>
+      </p:pic>
+      <p:pic>
+        <p:nvPicPr>
+          <p:cNvPr id="5" name="Picture 6" descr="Image result for firebase logo">
+            <a:extLst>
+              <a:ext uri="{FF2B5EF4-FFF2-40B4-BE49-F238E27FC236}">
+                <a16:creationId xmlns:a16="http://schemas.microsoft.com/office/drawing/2014/main" id="{D223F466-DE6D-4D13-B17E-FBB4EE7E2394}"/>
               </a:ext>
             </a:extLst>
           </p:cNvPr>
@@ -7622,8 +8062,8 @@
         </p:blipFill>
         <p:spPr bwMode="auto">
           <a:xfrm>
-            <a:off x="9090114" y="2317739"/>
-            <a:ext cx="1207634" cy="1207634"/>
+            <a:off x="6835550" y="3534488"/>
+            <a:ext cx="3648075" cy="1247775"/>
           </a:xfrm>
           <a:prstGeom prst="rect">
             <a:avLst/>
@@ -7642,10 +8082,10 @@
       </p:pic>
       <p:pic>
         <p:nvPicPr>
-          <p:cNvPr id="4" name="Picture 4" descr="Image result for google fonts">
+          <p:cNvPr id="6" name="Picture 8" descr="Related image">
             <a:extLst>
               <a:ext uri="{FF2B5EF4-FFF2-40B4-BE49-F238E27FC236}">
-                <a16:creationId xmlns:a16="http://schemas.microsoft.com/office/drawing/2014/main" id="{BB342E19-0839-4A2C-8054-7779A3998C77}"/>
+                <a16:creationId xmlns:a16="http://schemas.microsoft.com/office/drawing/2014/main" id="{ACA7E6A4-1A15-45BD-ADD4-8E54C5047F46}"/>
               </a:ext>
             </a:extLst>
           </p:cNvPr>
@@ -7669,8 +8109,8 @@
         </p:blipFill>
         <p:spPr bwMode="auto">
           <a:xfrm>
-            <a:off x="5032467" y="4259646"/>
-            <a:ext cx="2952750" cy="1552575"/>
+            <a:off x="7985216" y="4782263"/>
+            <a:ext cx="2552700" cy="1123950"/>
           </a:xfrm>
           <a:prstGeom prst="rect">
             <a:avLst/>
@@ -7689,10 +8129,10 @@
       </p:pic>
       <p:pic>
         <p:nvPicPr>
-          <p:cNvPr id="5" name="Picture 6" descr="Image result for firebase logo">
+          <p:cNvPr id="7" name="Picture 2" descr="Image result for html5">
             <a:extLst>
               <a:ext uri="{FF2B5EF4-FFF2-40B4-BE49-F238E27FC236}">
-                <a16:creationId xmlns:a16="http://schemas.microsoft.com/office/drawing/2014/main" id="{D223F466-DE6D-4D13-B17E-FBB4EE7E2394}"/>
+                <a16:creationId xmlns:a16="http://schemas.microsoft.com/office/drawing/2014/main" id="{DDFD968C-45FA-4008-BD46-D684DD83D2C2}"/>
               </a:ext>
             </a:extLst>
           </p:cNvPr>
@@ -7716,8 +8156,8 @@
         </p:blipFill>
         <p:spPr bwMode="auto">
           <a:xfrm>
-            <a:off x="6835550" y="3534488"/>
-            <a:ext cx="3648075" cy="1247775"/>
+            <a:off x="698460" y="1342136"/>
+            <a:ext cx="2143125" cy="2143125"/>
           </a:xfrm>
           <a:prstGeom prst="rect">
             <a:avLst/>
@@ -7736,10 +8176,10 @@
       </p:pic>
       <p:pic>
         <p:nvPicPr>
-          <p:cNvPr id="6" name="Picture 8" descr="Related image">
+          <p:cNvPr id="8" name="Picture 4" descr="Image result for moment js">
             <a:extLst>
               <a:ext uri="{FF2B5EF4-FFF2-40B4-BE49-F238E27FC236}">
-                <a16:creationId xmlns:a16="http://schemas.microsoft.com/office/drawing/2014/main" id="{ACA7E6A4-1A15-45BD-ADD4-8E54C5047F46}"/>
+                <a16:creationId xmlns:a16="http://schemas.microsoft.com/office/drawing/2014/main" id="{F5E35616-F816-4D38-B00D-B2B4D28F3912}"/>
               </a:ext>
             </a:extLst>
           </p:cNvPr>
@@ -7763,8 +8203,8 @@
         </p:blipFill>
         <p:spPr bwMode="auto">
           <a:xfrm>
-            <a:off x="7985216" y="4782263"/>
-            <a:ext cx="2552700" cy="1123950"/>
+            <a:off x="264071" y="3478213"/>
+            <a:ext cx="2619375" cy="1743075"/>
           </a:xfrm>
           <a:prstGeom prst="rect">
             <a:avLst/>
@@ -7791,220 +8231,18 @@
   <p:clrMapOvr>
     <a:masterClrMapping/>
   </p:clrMapOvr>
-</p:sld>
-</file>
-
-<file path=ppt/slides/slide5.xml><?xml version="1.0" encoding="utf-8"?>
-<p:sld xmlns:a="http://schemas.openxmlformats.org/drawingml/2006/main" xmlns:r="http://schemas.openxmlformats.org/officeDocument/2006/relationships" xmlns:p="http://schemas.openxmlformats.org/presentationml/2006/main">
-  <p:cSld>
-    <p:spTree>
-      <p:nvGrpSpPr>
-        <p:cNvPr id="1" name=""/>
-        <p:cNvGrpSpPr/>
-        <p:nvPr/>
-      </p:nvGrpSpPr>
-      <p:grpSpPr>
-        <a:xfrm>
-          <a:off x="0" y="0"/>
-          <a:ext cx="0" cy="0"/>
-          <a:chOff x="0" y="0"/>
-          <a:chExt cx="0" cy="0"/>
-        </a:xfrm>
-      </p:grpSpPr>
-      <p:sp>
-        <p:nvSpPr>
-          <p:cNvPr id="2" name="Title 1">
-            <a:extLst>
-              <a:ext uri="{FF2B5EF4-FFF2-40B4-BE49-F238E27FC236}">
-                <a16:creationId xmlns:a16="http://schemas.microsoft.com/office/drawing/2014/main" id="{5D7F0666-D59D-4107-8E00-B2F00ABB920D}"/>
-              </a:ext>
-            </a:extLst>
-          </p:cNvPr>
-          <p:cNvSpPr>
-            <a:spLocks noGrp="1"/>
-          </p:cNvSpPr>
-          <p:nvPr>
-            <p:ph type="ctrTitle"/>
-          </p:nvPr>
-        </p:nvSpPr>
-        <p:spPr>
-          <a:xfrm>
-            <a:off x="2074334" y="705591"/>
-            <a:ext cx="10219266" cy="942657"/>
-          </a:xfrm>
-        </p:spPr>
-        <p:txBody>
-          <a:bodyPr>
-            <a:normAutofit fontScale="90000"/>
-          </a:bodyPr>
-          <a:lstStyle/>
-          <a:p>
-            <a:r>
-              <a:rPr lang="en-US" sz="6600" dirty="0">
-                <a:solidFill>
-                  <a:srgbClr val="0070C0"/>
-                </a:solidFill>
-              </a:rPr>
-              <a:t>Future VISION of MY PA</a:t>
-            </a:r>
-            <a:endParaRPr lang="en-US" sz="6600" dirty="0"/>
-          </a:p>
-        </p:txBody>
-      </p:sp>
-      <p:sp>
-        <p:nvSpPr>
-          <p:cNvPr id="3" name="Subtitle 2">
-            <a:extLst>
-              <a:ext uri="{FF2B5EF4-FFF2-40B4-BE49-F238E27FC236}">
-                <a16:creationId xmlns:a16="http://schemas.microsoft.com/office/drawing/2014/main" id="{7DBA4759-B8FD-4739-AF95-DA058F9744CB}"/>
-              </a:ext>
-            </a:extLst>
-          </p:cNvPr>
-          <p:cNvSpPr>
-            <a:spLocks noGrp="1"/>
-          </p:cNvSpPr>
-          <p:nvPr>
-            <p:ph type="subTitle" idx="1"/>
-          </p:nvPr>
-        </p:nvSpPr>
-        <p:spPr>
-          <a:xfrm>
-            <a:off x="2371724" y="1839595"/>
-            <a:ext cx="8791575" cy="2639272"/>
-          </a:xfrm>
-        </p:spPr>
-        <p:txBody>
-          <a:bodyPr>
-            <a:noAutofit/>
-          </a:bodyPr>
-          <a:lstStyle/>
-          <a:p>
-            <a:pPr marL="285750" indent="-285750">
-              <a:buFont typeface="Arial" panose="020B0604020202020204" pitchFamily="34" charset="0"/>
-              <a:buChar char="•"/>
-            </a:pPr>
-            <a:r>
-              <a:rPr lang="en-US" sz="2400" dirty="0">
-                <a:solidFill>
-                  <a:schemeClr val="tx1"/>
-                </a:solidFill>
-                <a:latin typeface="Arial Rounded MT Bold" charset="0"/>
-                <a:ea typeface="Arial Rounded MT Bold" charset="0"/>
-                <a:cs typeface="Arial Rounded MT Bold" charset="0"/>
-              </a:rPr>
-              <a:t>Authentication of user accounts</a:t>
-            </a:r>
-          </a:p>
-          <a:p>
-            <a:pPr marL="285750" indent="-285750">
-              <a:buFont typeface="Arial" panose="020B0604020202020204" pitchFamily="34" charset="0"/>
-              <a:buChar char="•"/>
-            </a:pPr>
-            <a:r>
-              <a:rPr lang="en-US" sz="2400" dirty="0">
-                <a:solidFill>
-                  <a:schemeClr val="tx1"/>
-                </a:solidFill>
-                <a:latin typeface="Arial Rounded MT Bold" charset="0"/>
-              </a:rPr>
-              <a:t>Google directions for restaurants </a:t>
-            </a:r>
-          </a:p>
-          <a:p>
-            <a:pPr marL="285750" indent="-285750">
-              <a:buFont typeface="Arial" panose="020B0604020202020204" pitchFamily="34" charset="0"/>
-              <a:buChar char="•"/>
-            </a:pPr>
-            <a:r>
-              <a:rPr lang="en-US" sz="2400" dirty="0">
-                <a:solidFill>
-                  <a:schemeClr val="tx1"/>
-                </a:solidFill>
-                <a:latin typeface="Arial Rounded MT Bold" charset="0"/>
-              </a:rPr>
-              <a:t>Update user profile</a:t>
-            </a:r>
-          </a:p>
-          <a:p>
-            <a:pPr marL="285750" indent="-285750">
-              <a:buFont typeface="Arial" panose="020B0604020202020204" pitchFamily="34" charset="0"/>
-              <a:buChar char="•"/>
-            </a:pPr>
-            <a:r>
-              <a:rPr lang="en-US" sz="2400" dirty="0">
-                <a:solidFill>
-                  <a:schemeClr val="tx1"/>
-                </a:solidFill>
-                <a:latin typeface="Arial Rounded MT Bold" charset="0"/>
-              </a:rPr>
-              <a:t>Stock Ticker</a:t>
-            </a:r>
-          </a:p>
-          <a:p>
-            <a:pPr marL="285750" indent="-285750">
-              <a:buFont typeface="Arial" panose="020B0604020202020204" pitchFamily="34" charset="0"/>
-              <a:buChar char="•"/>
-            </a:pPr>
-            <a:r>
-              <a:rPr lang="en-US" sz="2400" dirty="0">
-                <a:solidFill>
-                  <a:schemeClr val="tx1"/>
-                </a:solidFill>
-                <a:latin typeface="Arial Rounded MT Bold" charset="0"/>
-              </a:rPr>
-              <a:t>Future weathe</a:t>
-            </a:r>
-            <a:r>
-              <a:rPr lang="en-US" sz="2400" dirty="0">
-                <a:latin typeface="Arial Rounded MT Bold" charset="0"/>
-              </a:rPr>
-              <a:t>r forecast</a:t>
-            </a:r>
-            <a:endParaRPr lang="en-US" sz="2400" dirty="0">
-              <a:solidFill>
-                <a:schemeClr val="tx1"/>
-              </a:solidFill>
-              <a:latin typeface="Arial Rounded MT Bold" charset="0"/>
-            </a:endParaRPr>
-          </a:p>
-          <a:p>
-            <a:pPr marL="285750" indent="-285750">
-              <a:buFont typeface="Arial" panose="020B0604020202020204" pitchFamily="34" charset="0"/>
-              <a:buChar char="•"/>
-            </a:pPr>
-            <a:r>
-              <a:rPr lang="en-US" sz="2400" dirty="0">
-                <a:solidFill>
-                  <a:schemeClr val="tx1"/>
-                </a:solidFill>
-                <a:latin typeface="Arial Rounded MT Bold" charset="0"/>
-              </a:rPr>
-              <a:t>Weather on demand </a:t>
-            </a:r>
-          </a:p>
-          <a:p>
-            <a:pPr marL="285750" indent="-285750">
-              <a:buFont typeface="Arial" panose="020B0604020202020204" pitchFamily="34" charset="0"/>
-              <a:buChar char="•"/>
-            </a:pPr>
-            <a:endParaRPr lang="en-US" sz="2400" dirty="0">
-              <a:solidFill>
-                <a:schemeClr val="tx1"/>
-              </a:solidFill>
-            </a:endParaRPr>
-          </a:p>
-        </p:txBody>
-      </p:sp>
-    </p:spTree>
-    <p:extLst>
-      <p:ext uri="{BB962C8B-B14F-4D97-AF65-F5344CB8AC3E}">
-        <p14:creationId xmlns:p14="http://schemas.microsoft.com/office/powerpoint/2010/main" val="1753341305"/>
-      </p:ext>
-    </p:extLst>
-  </p:cSld>
-  <p:clrMapOvr>
-    <a:masterClrMapping/>
-  </p:clrMapOvr>
+  <mc:AlternateContent xmlns:mc="http://schemas.openxmlformats.org/markup-compatibility/2006">
+    <mc:Choice xmlns:p14="http://schemas.microsoft.com/office/powerpoint/2010/main" Requires="p14">
+      <p:transition spd="slow" p14:dur="1500">
+        <p:split orient="vert"/>
+      </p:transition>
+    </mc:Choice>
+    <mc:Fallback>
+      <p:transition spd="slow">
+        <p:split orient="vert"/>
+      </p:transition>
+    </mc:Fallback>
+  </mc:AlternateContent>
 </p:sld>
 </file>
 
@@ -8030,7 +8268,7 @@
           <p:cNvPr id="2" name="Title 1">
             <a:extLst>
               <a:ext uri="{FF2B5EF4-FFF2-40B4-BE49-F238E27FC236}">
-                <a16:creationId xmlns:a16="http://schemas.microsoft.com/office/drawing/2014/main" id="{233AE8CC-4555-4675-998F-C4746BCA502D}"/>
+                <a16:creationId xmlns:a16="http://schemas.microsoft.com/office/drawing/2014/main" id="{5D7F0666-D59D-4107-8E00-B2F00ABB920D}"/>
               </a:ext>
             </a:extLst>
           </p:cNvPr>
@@ -8038,13 +8276,13 @@
             <a:spLocks noGrp="1"/>
           </p:cNvSpPr>
           <p:nvPr>
-            <p:ph type="title"/>
-          </p:nvPr>
-        </p:nvSpPr>
-        <p:spPr>
-          <a:xfrm>
-            <a:off x="1143001" y="2548918"/>
-            <a:ext cx="9905998" cy="1478570"/>
+            <p:ph type="ctrTitle"/>
+          </p:nvPr>
+        </p:nvSpPr>
+        <p:spPr>
+          <a:xfrm>
+            <a:off x="2074334" y="705591"/>
+            <a:ext cx="10219266" cy="942657"/>
           </a:xfrm>
         </p:spPr>
         <p:txBody>
@@ -8053,32 +8291,519 @@
           </a:bodyPr>
           <a:lstStyle/>
           <a:p>
-            <a:pPr algn="ctr"/>
-            <a:r>
-              <a:rPr lang="en-US" sz="9600" dirty="0">
+            <a:r>
+              <a:rPr lang="en-US" sz="6600" dirty="0">
+                <a:solidFill>
+                  <a:srgbClr val="0070C0"/>
+                </a:solidFill>
+              </a:rPr>
+              <a:t>Future VISION of MY PA</a:t>
+            </a:r>
+            <a:endParaRPr lang="en-US" sz="6600" dirty="0"/>
+          </a:p>
+        </p:txBody>
+      </p:sp>
+      <p:sp>
+        <p:nvSpPr>
+          <p:cNvPr id="3" name="Subtitle 2">
+            <a:extLst>
+              <a:ext uri="{FF2B5EF4-FFF2-40B4-BE49-F238E27FC236}">
+                <a16:creationId xmlns:a16="http://schemas.microsoft.com/office/drawing/2014/main" id="{7DBA4759-B8FD-4739-AF95-DA058F9744CB}"/>
+              </a:ext>
+            </a:extLst>
+          </p:cNvPr>
+          <p:cNvSpPr>
+            <a:spLocks noGrp="1"/>
+          </p:cNvSpPr>
+          <p:nvPr>
+            <p:ph type="subTitle" idx="1"/>
+          </p:nvPr>
+        </p:nvSpPr>
+        <p:spPr>
+          <a:xfrm>
+            <a:off x="2371724" y="1839595"/>
+            <a:ext cx="8791575" cy="2639272"/>
+          </a:xfrm>
+        </p:spPr>
+        <p:txBody>
+          <a:bodyPr>
+            <a:noAutofit/>
+          </a:bodyPr>
+          <a:lstStyle/>
+          <a:p>
+            <a:pPr marL="285750" indent="-285750">
+              <a:buFont typeface="Arial" panose="020B0604020202020204" pitchFamily="34" charset="0"/>
+              <a:buChar char="•"/>
+            </a:pPr>
+            <a:r>
+              <a:rPr lang="en-US" sz="2400" dirty="0">
+                <a:solidFill>
+                  <a:schemeClr val="tx1"/>
+                </a:solidFill>
+                <a:latin typeface="Arial Rounded MT Bold" charset="0"/>
+                <a:ea typeface="Arial Rounded MT Bold" charset="0"/>
+                <a:cs typeface="Arial Rounded MT Bold" charset="0"/>
+              </a:rPr>
+              <a:t>Authentication of user accounts</a:t>
+            </a:r>
+          </a:p>
+          <a:p>
+            <a:pPr marL="285750" indent="-285750">
+              <a:buFont typeface="Arial" panose="020B0604020202020204" pitchFamily="34" charset="0"/>
+              <a:buChar char="•"/>
+            </a:pPr>
+            <a:r>
+              <a:rPr lang="en-US" sz="2400" dirty="0">
+                <a:solidFill>
+                  <a:schemeClr val="tx1"/>
+                </a:solidFill>
                 <a:latin typeface="Arial Rounded MT Bold" charset="0"/>
               </a:rPr>
-              <a:t>QUESTIONS?</a:t>
-            </a:r>
-            <a:br>
-              <a:rPr lang="en-US" dirty="0">
+              <a:t>Google directions for restaurants </a:t>
+            </a:r>
+          </a:p>
+          <a:p>
+            <a:pPr marL="285750" indent="-285750">
+              <a:buFont typeface="Arial" panose="020B0604020202020204" pitchFamily="34" charset="0"/>
+              <a:buChar char="•"/>
+            </a:pPr>
+            <a:r>
+              <a:rPr lang="en-US" sz="2400" dirty="0">
+                <a:solidFill>
+                  <a:schemeClr val="tx1"/>
+                </a:solidFill>
                 <a:latin typeface="Arial Rounded MT Bold" charset="0"/>
               </a:rPr>
-            </a:br>
-            <a:endParaRPr lang="en-US" dirty="0"/>
+              <a:t>Update user profile</a:t>
+            </a:r>
+          </a:p>
+          <a:p>
+            <a:pPr marL="285750" indent="-285750">
+              <a:buFont typeface="Arial" panose="020B0604020202020204" pitchFamily="34" charset="0"/>
+              <a:buChar char="•"/>
+            </a:pPr>
+            <a:r>
+              <a:rPr lang="en-US" sz="2400" dirty="0">
+                <a:solidFill>
+                  <a:schemeClr val="tx1"/>
+                </a:solidFill>
+                <a:latin typeface="Arial Rounded MT Bold" charset="0"/>
+              </a:rPr>
+              <a:t>Stock Ticker</a:t>
+            </a:r>
+          </a:p>
+          <a:p>
+            <a:pPr marL="285750" indent="-285750">
+              <a:buFont typeface="Arial" panose="020B0604020202020204" pitchFamily="34" charset="0"/>
+              <a:buChar char="•"/>
+            </a:pPr>
+            <a:r>
+              <a:rPr lang="en-US" sz="2400" dirty="0">
+                <a:solidFill>
+                  <a:schemeClr val="tx1"/>
+                </a:solidFill>
+                <a:latin typeface="Arial Rounded MT Bold" charset="0"/>
+              </a:rPr>
+              <a:t>Future weathe</a:t>
+            </a:r>
+            <a:r>
+              <a:rPr lang="en-US" sz="2400" dirty="0">
+                <a:latin typeface="Arial Rounded MT Bold" charset="0"/>
+              </a:rPr>
+              <a:t>r forecast</a:t>
+            </a:r>
+            <a:endParaRPr lang="en-US" sz="2400" dirty="0">
+              <a:solidFill>
+                <a:schemeClr val="tx1"/>
+              </a:solidFill>
+              <a:latin typeface="Arial Rounded MT Bold" charset="0"/>
+            </a:endParaRPr>
+          </a:p>
+          <a:p>
+            <a:pPr marL="285750" indent="-285750">
+              <a:buFont typeface="Arial" panose="020B0604020202020204" pitchFamily="34" charset="0"/>
+              <a:buChar char="•"/>
+            </a:pPr>
+            <a:r>
+              <a:rPr lang="en-US" sz="2400" dirty="0">
+                <a:solidFill>
+                  <a:schemeClr val="tx1"/>
+                </a:solidFill>
+                <a:latin typeface="Arial Rounded MT Bold" charset="0"/>
+              </a:rPr>
+              <a:t>Weather on demand </a:t>
+            </a:r>
+          </a:p>
+          <a:p>
+            <a:pPr marL="285750" indent="-285750">
+              <a:buFont typeface="Arial" panose="020B0604020202020204" pitchFamily="34" charset="0"/>
+              <a:buChar char="•"/>
+            </a:pPr>
+            <a:endParaRPr lang="en-US" sz="2400" dirty="0">
+              <a:solidFill>
+                <a:schemeClr val="tx1"/>
+              </a:solidFill>
+            </a:endParaRPr>
           </a:p>
         </p:txBody>
       </p:sp>
     </p:spTree>
     <p:extLst>
       <p:ext uri="{BB962C8B-B14F-4D97-AF65-F5344CB8AC3E}">
-        <p14:creationId xmlns:p14="http://schemas.microsoft.com/office/powerpoint/2010/main" val="361432739"/>
+        <p14:creationId xmlns:p14="http://schemas.microsoft.com/office/powerpoint/2010/main" val="1753341305"/>
       </p:ext>
     </p:extLst>
   </p:cSld>
   <p:clrMapOvr>
     <a:masterClrMapping/>
   </p:clrMapOvr>
+  <mc:AlternateContent xmlns:mc="http://schemas.openxmlformats.org/markup-compatibility/2006">
+    <mc:Choice xmlns:p14="http://schemas.microsoft.com/office/powerpoint/2010/main" Requires="p14">
+      <p:transition spd="slow" p14:dur="1500">
+        <p:split orient="vert"/>
+      </p:transition>
+    </mc:Choice>
+    <mc:Fallback>
+      <p:transition spd="slow">
+        <p:split orient="vert"/>
+      </p:transition>
+    </mc:Fallback>
+  </mc:AlternateContent>
+</p:sld>
+</file>
+
+<file path=ppt/slides/slide7.xml><?xml version="1.0" encoding="utf-8"?>
+<p:sld xmlns:a="http://schemas.openxmlformats.org/drawingml/2006/main" xmlns:r="http://schemas.openxmlformats.org/officeDocument/2006/relationships" xmlns:p="http://schemas.openxmlformats.org/presentationml/2006/main">
+  <p:cSld>
+    <p:spTree>
+      <p:nvGrpSpPr>
+        <p:cNvPr id="1" name=""/>
+        <p:cNvGrpSpPr/>
+        <p:nvPr/>
+      </p:nvGrpSpPr>
+      <p:grpSpPr>
+        <a:xfrm>
+          <a:off x="0" y="0"/>
+          <a:ext cx="0" cy="0"/>
+          <a:chOff x="0" y="0"/>
+          <a:chExt cx="0" cy="0"/>
+        </a:xfrm>
+      </p:grpSpPr>
+      <p:sp>
+        <p:nvSpPr>
+          <p:cNvPr id="2" name="Title 1">
+            <a:extLst>
+              <a:ext uri="{FF2B5EF4-FFF2-40B4-BE49-F238E27FC236}">
+                <a16:creationId xmlns:a16="http://schemas.microsoft.com/office/drawing/2014/main" id="{F5055304-0EBF-4C0F-B2A9-39BC2C8A24E6}"/>
+              </a:ext>
+            </a:extLst>
+          </p:cNvPr>
+          <p:cNvSpPr>
+            <a:spLocks noGrp="1"/>
+          </p:cNvSpPr>
+          <p:nvPr>
+            <p:ph type="title"/>
+          </p:nvPr>
+        </p:nvSpPr>
+        <p:spPr>
+          <a:xfrm>
+            <a:off x="1183342" y="764373"/>
+            <a:ext cx="9377082" cy="1293028"/>
+          </a:xfrm>
+        </p:spPr>
+        <p:txBody>
+          <a:bodyPr/>
+          <a:lstStyle/>
+          <a:p>
+            <a:r>
+              <a:rPr lang="en-US">
+                <a:latin typeface="Arial Rounded MT Bold" charset="0"/>
+              </a:rPr>
+              <a:t>QUESTIONS?</a:t>
+            </a:r>
+            <a:br>
+              <a:rPr lang="en-US">
+                <a:latin typeface="Arial Rounded MT Bold" charset="0"/>
+              </a:rPr>
+            </a:br>
+            <a:endParaRPr lang="en-US" dirty="0"/>
+          </a:p>
+        </p:txBody>
+      </p:sp>
+      <p:pic>
+        <p:nvPicPr>
+          <p:cNvPr id="7" name="Content Placeholder 6">
+            <a:extLst>
+              <a:ext uri="{FF2B5EF4-FFF2-40B4-BE49-F238E27FC236}">
+                <a16:creationId xmlns:a16="http://schemas.microsoft.com/office/drawing/2014/main" id="{DFA11981-276D-4715-8AE4-FE05EA7F589E}"/>
+              </a:ext>
+            </a:extLst>
+          </p:cNvPr>
+          <p:cNvPicPr>
+            <a:picLocks noGrp="1" noChangeAspect="1"/>
+          </p:cNvPicPr>
+          <p:nvPr>
+            <p:ph idx="1"/>
+          </p:nvPr>
+        </p:nvPicPr>
+        <p:blipFill>
+          <a:blip r:embed="rId2"/>
+          <a:stretch>
+            <a:fillRect/>
+          </a:stretch>
+        </p:blipFill>
+        <p:spPr>
+          <a:xfrm>
+            <a:off x="2442881" y="2568389"/>
+            <a:ext cx="7481047" cy="3487270"/>
+          </a:xfrm>
+        </p:spPr>
+      </p:pic>
+    </p:spTree>
+    <p:extLst>
+      <p:ext uri="{BB962C8B-B14F-4D97-AF65-F5344CB8AC3E}">
+        <p14:creationId xmlns:p14="http://schemas.microsoft.com/office/powerpoint/2010/main" val="3424751917"/>
+      </p:ext>
+    </p:extLst>
+  </p:cSld>
+  <p:clrMapOvr>
+    <a:masterClrMapping/>
+  </p:clrMapOvr>
+  <mc:AlternateContent xmlns:mc="http://schemas.openxmlformats.org/markup-compatibility/2006">
+    <mc:Choice xmlns:p14="http://schemas.microsoft.com/office/powerpoint/2010/main" Requires="p14">
+      <p:transition spd="slow" p14:dur="1500">
+        <p:split orient="vert"/>
+      </p:transition>
+    </mc:Choice>
+    <mc:Fallback>
+      <p:transition spd="slow">
+        <p:split orient="vert"/>
+      </p:transition>
+    </mc:Fallback>
+  </mc:AlternateContent>
+  <p:timing>
+    <p:tnLst>
+      <p:par>
+        <p:cTn id="1" dur="indefinite" restart="never" nodeType="tmRoot">
+          <p:childTnLst>
+            <p:seq concurrent="1" nextAc="seek">
+              <p:cTn id="2" dur="indefinite" nodeType="mainSeq">
+                <p:childTnLst>
+                  <p:par>
+                    <p:cTn id="3" fill="hold">
+                      <p:stCondLst>
+                        <p:cond delay="indefinite"/>
+                      </p:stCondLst>
+                      <p:childTnLst>
+                        <p:par>
+                          <p:cTn id="4" fill="hold">
+                            <p:stCondLst>
+                              <p:cond delay="0"/>
+                            </p:stCondLst>
+                            <p:childTnLst>
+                              <p:par>
+                                <p:cTn id="5" presetID="42" presetClass="entr" presetSubtype="0" fill="hold" nodeType="clickEffect">
+                                  <p:stCondLst>
+                                    <p:cond delay="0"/>
+                                  </p:stCondLst>
+                                  <p:childTnLst>
+                                    <p:set>
+                                      <p:cBhvr>
+                                        <p:cTn id="6" dur="1" fill="hold">
+                                          <p:stCondLst>
+                                            <p:cond delay="0"/>
+                                          </p:stCondLst>
+                                        </p:cTn>
+                                        <p:tgtEl>
+                                          <p:spTgt spid="7"/>
+                                        </p:tgtEl>
+                                        <p:attrNameLst>
+                                          <p:attrName>style.visibility</p:attrName>
+                                        </p:attrNameLst>
+                                      </p:cBhvr>
+                                      <p:to>
+                                        <p:strVal val="visible"/>
+                                      </p:to>
+                                    </p:set>
+                                    <p:animEffect transition="in" filter="fade">
+                                      <p:cBhvr>
+                                        <p:cTn id="7" dur="1000"/>
+                                        <p:tgtEl>
+                                          <p:spTgt spid="7"/>
+                                        </p:tgtEl>
+                                      </p:cBhvr>
+                                    </p:animEffect>
+                                    <p:anim calcmode="lin" valueType="num">
+                                      <p:cBhvr>
+                                        <p:cTn id="8" dur="1000" fill="hold"/>
+                                        <p:tgtEl>
+                                          <p:spTgt spid="7"/>
+                                        </p:tgtEl>
+                                        <p:attrNameLst>
+                                          <p:attrName>ppt_x</p:attrName>
+                                        </p:attrNameLst>
+                                      </p:cBhvr>
+                                      <p:tavLst>
+                                        <p:tav tm="0">
+                                          <p:val>
+                                            <p:strVal val="#ppt_x"/>
+                                          </p:val>
+                                        </p:tav>
+                                        <p:tav tm="100000">
+                                          <p:val>
+                                            <p:strVal val="#ppt_x"/>
+                                          </p:val>
+                                        </p:tav>
+                                      </p:tavLst>
+                                    </p:anim>
+                                    <p:anim calcmode="lin" valueType="num">
+                                      <p:cBhvr>
+                                        <p:cTn id="9" dur="1000" fill="hold"/>
+                                        <p:tgtEl>
+                                          <p:spTgt spid="7"/>
+                                        </p:tgtEl>
+                                        <p:attrNameLst>
+                                          <p:attrName>ppt_y</p:attrName>
+                                        </p:attrNameLst>
+                                      </p:cBhvr>
+                                      <p:tavLst>
+                                        <p:tav tm="0">
+                                          <p:val>
+                                            <p:strVal val="#ppt_y+.1"/>
+                                          </p:val>
+                                        </p:tav>
+                                        <p:tav tm="100000">
+                                          <p:val>
+                                            <p:strVal val="#ppt_y"/>
+                                          </p:val>
+                                        </p:tav>
+                                      </p:tavLst>
+                                    </p:anim>
+                                  </p:childTnLst>
+                                </p:cTn>
+                              </p:par>
+                            </p:childTnLst>
+                          </p:cTn>
+                        </p:par>
+                      </p:childTnLst>
+                    </p:cTn>
+                  </p:par>
+                  <p:par>
+                    <p:cTn id="10" fill="hold">
+                      <p:stCondLst>
+                        <p:cond delay="indefinite"/>
+                      </p:stCondLst>
+                      <p:childTnLst>
+                        <p:par>
+                          <p:cTn id="11" fill="hold">
+                            <p:stCondLst>
+                              <p:cond delay="0"/>
+                            </p:stCondLst>
+                            <p:childTnLst>
+                              <p:par>
+                                <p:cTn id="12" presetID="2" presetClass="entr" presetSubtype="4" fill="hold" grpId="0" nodeType="clickEffect">
+                                  <p:stCondLst>
+                                    <p:cond delay="0"/>
+                                  </p:stCondLst>
+                                  <p:childTnLst>
+                                    <p:set>
+                                      <p:cBhvr>
+                                        <p:cTn id="13" dur="1" fill="hold">
+                                          <p:stCondLst>
+                                            <p:cond delay="0"/>
+                                          </p:stCondLst>
+                                        </p:cTn>
+                                        <p:tgtEl>
+                                          <p:spTgt spid="2"/>
+                                        </p:tgtEl>
+                                        <p:attrNameLst>
+                                          <p:attrName>style.visibility</p:attrName>
+                                        </p:attrNameLst>
+                                      </p:cBhvr>
+                                      <p:to>
+                                        <p:strVal val="visible"/>
+                                      </p:to>
+                                    </p:set>
+                                    <p:anim calcmode="lin" valueType="num">
+                                      <p:cBhvr additive="base">
+                                        <p:cTn id="14" dur="500" fill="hold"/>
+                                        <p:tgtEl>
+                                          <p:spTgt spid="2"/>
+                                        </p:tgtEl>
+                                        <p:attrNameLst>
+                                          <p:attrName>ppt_x</p:attrName>
+                                        </p:attrNameLst>
+                                      </p:cBhvr>
+                                      <p:tavLst>
+                                        <p:tav tm="0">
+                                          <p:val>
+                                            <p:strVal val="#ppt_x"/>
+                                          </p:val>
+                                        </p:tav>
+                                        <p:tav tm="100000">
+                                          <p:val>
+                                            <p:strVal val="#ppt_x"/>
+                                          </p:val>
+                                        </p:tav>
+                                      </p:tavLst>
+                                    </p:anim>
+                                    <p:anim calcmode="lin" valueType="num">
+                                      <p:cBhvr additive="base">
+                                        <p:cTn id="15" dur="500" fill="hold"/>
+                                        <p:tgtEl>
+                                          <p:spTgt spid="2"/>
+                                        </p:tgtEl>
+                                        <p:attrNameLst>
+                                          <p:attrName>ppt_y</p:attrName>
+                                        </p:attrNameLst>
+                                      </p:cBhvr>
+                                      <p:tavLst>
+                                        <p:tav tm="0">
+                                          <p:val>
+                                            <p:strVal val="1+#ppt_h/2"/>
+                                          </p:val>
+                                        </p:tav>
+                                        <p:tav tm="100000">
+                                          <p:val>
+                                            <p:strVal val="#ppt_y"/>
+                                          </p:val>
+                                        </p:tav>
+                                      </p:tavLst>
+                                    </p:anim>
+                                  </p:childTnLst>
+                                </p:cTn>
+                              </p:par>
+                            </p:childTnLst>
+                          </p:cTn>
+                        </p:par>
+                      </p:childTnLst>
+                    </p:cTn>
+                  </p:par>
+                </p:childTnLst>
+              </p:cTn>
+              <p:prevCondLst>
+                <p:cond evt="onPrev" delay="0">
+                  <p:tgtEl>
+                    <p:sldTgt/>
+                  </p:tgtEl>
+                </p:cond>
+              </p:prevCondLst>
+              <p:nextCondLst>
+                <p:cond evt="onNext" delay="0">
+                  <p:tgtEl>
+                    <p:sldTgt/>
+                  </p:tgtEl>
+                </p:cond>
+              </p:nextCondLst>
+            </p:seq>
+          </p:childTnLst>
+        </p:cTn>
+      </p:par>
+    </p:tnLst>
+    <p:bldLst>
+      <p:bldP spid="2" grpId="0"/>
+    </p:bldLst>
+  </p:timing>
 </p:sld>
 </file>
 
